--- a/Lending Club Case Study.pptx
+++ b/Lending Club Case Study.pptx
@@ -10,6 +10,14 @@
     <p:sldId id="258" r:id="rId4"/>
     <p:sldId id="259" r:id="rId5"/>
     <p:sldId id="260" r:id="rId6"/>
+    <p:sldId id="261" r:id="rId7"/>
+    <p:sldId id="262" r:id="rId8"/>
+    <p:sldId id="263" r:id="rId9"/>
+    <p:sldId id="264" r:id="rId10"/>
+    <p:sldId id="265" r:id="rId11"/>
+    <p:sldId id="266" r:id="rId12"/>
+    <p:sldId id="267" r:id="rId13"/>
+    <p:sldId id="268" r:id="rId14"/>
   </p:sldIdLst>
   <p:sldSz cx="12192000" cy="6858000"/>
   <p:notesSz cx="6858000" cy="9144000"/>
@@ -109,6 +117,32 @@
     </a:lvl9pPr>
   </p:defaultTextStyle>
 </p:presentation>
+</file>
+
+<file path=ppt/commentAuthors.xml><?xml version="1.0" encoding="utf-8"?>
+<p:cmAuthorLst xmlns:a="http://schemas.openxmlformats.org/drawingml/2006/main" xmlns:r="http://schemas.openxmlformats.org/officeDocument/2006/relationships" xmlns:p="http://schemas.openxmlformats.org/presentationml/2006/main">
+  <p:cmAuthor id="1" name="Muthanna Dillan" initials="MD" lastIdx="1" clrIdx="0">
+    <p:extLst>
+      <p:ext uri="{19B8F6BF-5375-455C-9EA6-DF929625EA0E}">
+        <p15:presenceInfo xmlns:p15="http://schemas.microsoft.com/office/powerpoint/2012/main" userId="Muthanna Dillan" providerId="None"/>
+      </p:ext>
+    </p:extLst>
+  </p:cmAuthor>
+</p:cmAuthorLst>
+</file>
+
+<file path=ppt/comments/comment1.xml><?xml version="1.0" encoding="utf-8"?>
+<p:cmLst xmlns:a="http://schemas.openxmlformats.org/drawingml/2006/main" xmlns:r="http://schemas.openxmlformats.org/officeDocument/2006/relationships" xmlns:p="http://schemas.openxmlformats.org/presentationml/2006/main">
+  <p:cm authorId="1" dt="2022-01-05T22:19:15.162" idx="1">
+    <p:pos x="4797" y="195"/>
+    <p:text/>
+    <p:extLst>
+      <p:ext uri="{C676402C-5697-4E1C-873F-D02D1690AC5C}">
+        <p15:threadingInfo xmlns:p15="http://schemas.microsoft.com/office/powerpoint/2012/main" timeZoneBias="-330"/>
+      </p:ext>
+    </p:extLst>
+  </p:cm>
+</p:cmLst>
 </file>
 
 <file path=ppt/slideLayouts/slideLayout1.xml><?xml version="1.0" encoding="utf-8"?>
@@ -5897,6 +5931,425 @@
 </p:sld>
 </file>
 
+<file path=ppt/slides/slide10.xml><?xml version="1.0" encoding="utf-8"?>
+<p:sld xmlns:a="http://schemas.openxmlformats.org/drawingml/2006/main" xmlns:r="http://schemas.openxmlformats.org/officeDocument/2006/relationships" xmlns:p="http://schemas.openxmlformats.org/presentationml/2006/main">
+  <p:cSld>
+    <p:spTree>
+      <p:nvGrpSpPr>
+        <p:cNvPr id="1" name=""/>
+        <p:cNvGrpSpPr/>
+        <p:nvPr/>
+      </p:nvGrpSpPr>
+      <p:grpSpPr>
+        <a:xfrm>
+          <a:off x="0" y="0"/>
+          <a:ext cx="0" cy="0"/>
+          <a:chOff x="0" y="0"/>
+          <a:chExt cx="0" cy="0"/>
+        </a:xfrm>
+      </p:grpSpPr>
+      <p:sp>
+        <p:nvSpPr>
+          <p:cNvPr id="2" name="Title 1">
+            <a:extLst>
+              <a:ext uri="{FF2B5EF4-FFF2-40B4-BE49-F238E27FC236}">
+                <a16:creationId xmlns:a16="http://schemas.microsoft.com/office/drawing/2014/main" id="{D947FF75-C2AF-4C9A-907C-7C730CA81E0A}"/>
+              </a:ext>
+            </a:extLst>
+          </p:cNvPr>
+          <p:cNvSpPr>
+            <a:spLocks noGrp="1"/>
+          </p:cNvSpPr>
+          <p:nvPr>
+            <p:ph type="title"/>
+          </p:nvPr>
+        </p:nvSpPr>
+        <p:spPr/>
+        <p:txBody>
+          <a:bodyPr/>
+          <a:lstStyle/>
+          <a:p>
+            <a:r>
+              <a:rPr lang="en-US" dirty="0"/>
+              <a:t>As the interest rate increases, the number of defaulters is also increasing</a:t>
+            </a:r>
+          </a:p>
+        </p:txBody>
+      </p:sp>
+      <p:pic>
+        <p:nvPicPr>
+          <p:cNvPr id="5" name="Content Placeholder 4">
+            <a:extLst>
+              <a:ext uri="{FF2B5EF4-FFF2-40B4-BE49-F238E27FC236}">
+                <a16:creationId xmlns:a16="http://schemas.microsoft.com/office/drawing/2014/main" id="{A0F927E9-1B80-42BB-8788-E2F7C675CE25}"/>
+              </a:ext>
+            </a:extLst>
+          </p:cNvPr>
+          <p:cNvPicPr>
+            <a:picLocks noGrp="1" noChangeAspect="1"/>
+          </p:cNvPicPr>
+          <p:nvPr>
+            <p:ph idx="1"/>
+          </p:nvPr>
+        </p:nvPicPr>
+        <p:blipFill>
+          <a:blip r:embed="rId2"/>
+          <a:stretch>
+            <a:fillRect/>
+          </a:stretch>
+        </p:blipFill>
+        <p:spPr>
+          <a:xfrm>
+            <a:off x="578547" y="2081055"/>
+            <a:ext cx="4397121" cy="3871295"/>
+          </a:xfrm>
+        </p:spPr>
+      </p:pic>
+      <p:pic>
+        <p:nvPicPr>
+          <p:cNvPr id="7" name="Picture 6">
+            <a:extLst>
+              <a:ext uri="{FF2B5EF4-FFF2-40B4-BE49-F238E27FC236}">
+                <a16:creationId xmlns:a16="http://schemas.microsoft.com/office/drawing/2014/main" id="{1C13594E-757B-4769-AFDE-D596E9222805}"/>
+              </a:ext>
+            </a:extLst>
+          </p:cNvPr>
+          <p:cNvPicPr>
+            <a:picLocks noChangeAspect="1"/>
+          </p:cNvPicPr>
+          <p:nvPr/>
+        </p:nvPicPr>
+        <p:blipFill>
+          <a:blip r:embed="rId3"/>
+          <a:stretch>
+            <a:fillRect/>
+          </a:stretch>
+        </p:blipFill>
+        <p:spPr>
+          <a:xfrm>
+            <a:off x="5040635" y="2184697"/>
+            <a:ext cx="4351397" cy="3901778"/>
+          </a:xfrm>
+          <a:prstGeom prst="rect">
+            <a:avLst/>
+          </a:prstGeom>
+        </p:spPr>
+      </p:pic>
+    </p:spTree>
+    <p:extLst>
+      <p:ext uri="{BB962C8B-B14F-4D97-AF65-F5344CB8AC3E}">
+        <p14:creationId xmlns:p14="http://schemas.microsoft.com/office/powerpoint/2010/main" val="1914239815"/>
+      </p:ext>
+    </p:extLst>
+  </p:cSld>
+  <p:clrMapOvr>
+    <a:masterClrMapping/>
+  </p:clrMapOvr>
+</p:sld>
+</file>
+
+<file path=ppt/slides/slide11.xml><?xml version="1.0" encoding="utf-8"?>
+<p:sld xmlns:a="http://schemas.openxmlformats.org/drawingml/2006/main" xmlns:r="http://schemas.openxmlformats.org/officeDocument/2006/relationships" xmlns:p="http://schemas.openxmlformats.org/presentationml/2006/main">
+  <p:cSld>
+    <p:spTree>
+      <p:nvGrpSpPr>
+        <p:cNvPr id="1" name=""/>
+        <p:cNvGrpSpPr/>
+        <p:nvPr/>
+      </p:nvGrpSpPr>
+      <p:grpSpPr>
+        <a:xfrm>
+          <a:off x="0" y="0"/>
+          <a:ext cx="0" cy="0"/>
+          <a:chOff x="0" y="0"/>
+          <a:chExt cx="0" cy="0"/>
+        </a:xfrm>
+      </p:grpSpPr>
+      <p:sp>
+        <p:nvSpPr>
+          <p:cNvPr id="2" name="Title 1">
+            <a:extLst>
+              <a:ext uri="{FF2B5EF4-FFF2-40B4-BE49-F238E27FC236}">
+                <a16:creationId xmlns:a16="http://schemas.microsoft.com/office/drawing/2014/main" id="{98EFB628-411C-4C30-A706-EA4F50736D62}"/>
+              </a:ext>
+            </a:extLst>
+          </p:cNvPr>
+          <p:cNvSpPr>
+            <a:spLocks noGrp="1"/>
+          </p:cNvSpPr>
+          <p:nvPr>
+            <p:ph type="title"/>
+          </p:nvPr>
+        </p:nvSpPr>
+        <p:spPr/>
+        <p:txBody>
+          <a:bodyPr/>
+          <a:lstStyle/>
+          <a:p>
+            <a:endParaRPr lang="en-US"/>
+          </a:p>
+        </p:txBody>
+      </p:sp>
+      <p:pic>
+        <p:nvPicPr>
+          <p:cNvPr id="9" name="Content Placeholder 8">
+            <a:extLst>
+              <a:ext uri="{FF2B5EF4-FFF2-40B4-BE49-F238E27FC236}">
+                <a16:creationId xmlns:a16="http://schemas.microsoft.com/office/drawing/2014/main" id="{D3491ACC-B545-4B43-9F42-F3AE16C8C941}"/>
+              </a:ext>
+            </a:extLst>
+          </p:cNvPr>
+          <p:cNvPicPr>
+            <a:picLocks noGrp="1" noChangeAspect="1"/>
+          </p:cNvPicPr>
+          <p:nvPr>
+            <p:ph idx="1"/>
+          </p:nvPr>
+        </p:nvPicPr>
+        <p:blipFill>
+          <a:blip r:embed="rId2">
+            <a:extLst>
+              <a:ext uri="{28A0092B-C50C-407E-A947-70E740481C1C}">
+                <a14:useLocalDpi xmlns:a14="http://schemas.microsoft.com/office/drawing/2010/main" val="0"/>
+              </a:ext>
+            </a:extLst>
+          </a:blip>
+          <a:stretch>
+            <a:fillRect/>
+          </a:stretch>
+        </p:blipFill>
+        <p:spPr>
+          <a:xfrm>
+            <a:off x="1285875" y="452098"/>
+            <a:ext cx="5652633" cy="5589927"/>
+          </a:xfrm>
+        </p:spPr>
+      </p:pic>
+    </p:spTree>
+    <p:extLst>
+      <p:ext uri="{BB962C8B-B14F-4D97-AF65-F5344CB8AC3E}">
+        <p14:creationId xmlns:p14="http://schemas.microsoft.com/office/powerpoint/2010/main" val="2180105663"/>
+      </p:ext>
+    </p:extLst>
+  </p:cSld>
+  <p:clrMapOvr>
+    <a:masterClrMapping/>
+  </p:clrMapOvr>
+</p:sld>
+</file>
+
+<file path=ppt/slides/slide12.xml><?xml version="1.0" encoding="utf-8"?>
+<p:sld xmlns:a="http://schemas.openxmlformats.org/drawingml/2006/main" xmlns:r="http://schemas.openxmlformats.org/officeDocument/2006/relationships" xmlns:p="http://schemas.openxmlformats.org/presentationml/2006/main">
+  <p:cSld>
+    <p:spTree>
+      <p:nvGrpSpPr>
+        <p:cNvPr id="1" name=""/>
+        <p:cNvGrpSpPr/>
+        <p:nvPr/>
+      </p:nvGrpSpPr>
+      <p:grpSpPr>
+        <a:xfrm>
+          <a:off x="0" y="0"/>
+          <a:ext cx="0" cy="0"/>
+          <a:chOff x="0" y="0"/>
+          <a:chExt cx="0" cy="0"/>
+        </a:xfrm>
+      </p:grpSpPr>
+      <p:sp>
+        <p:nvSpPr>
+          <p:cNvPr id="2" name="Title 1">
+            <a:extLst>
+              <a:ext uri="{FF2B5EF4-FFF2-40B4-BE49-F238E27FC236}">
+                <a16:creationId xmlns:a16="http://schemas.microsoft.com/office/drawing/2014/main" id="{FEBA429B-8C12-45C9-8E2B-9C6C5AA59AF5}"/>
+              </a:ext>
+            </a:extLst>
+          </p:cNvPr>
+          <p:cNvSpPr>
+            <a:spLocks noGrp="1"/>
+          </p:cNvSpPr>
+          <p:nvPr>
+            <p:ph type="title"/>
+          </p:nvPr>
+        </p:nvSpPr>
+        <p:spPr/>
+        <p:txBody>
+          <a:bodyPr/>
+          <a:lstStyle/>
+          <a:p>
+            <a:endParaRPr lang="en-US"/>
+          </a:p>
+        </p:txBody>
+      </p:sp>
+      <p:sp>
+        <p:nvSpPr>
+          <p:cNvPr id="3" name="Content Placeholder 2">
+            <a:extLst>
+              <a:ext uri="{FF2B5EF4-FFF2-40B4-BE49-F238E27FC236}">
+                <a16:creationId xmlns:a16="http://schemas.microsoft.com/office/drawing/2014/main" id="{49418D10-FC94-4CE0-B90E-EECBED785989}"/>
+              </a:ext>
+            </a:extLst>
+          </p:cNvPr>
+          <p:cNvSpPr>
+            <a:spLocks noGrp="1"/>
+          </p:cNvSpPr>
+          <p:nvPr>
+            <p:ph idx="1"/>
+          </p:nvPr>
+        </p:nvSpPr>
+        <p:spPr/>
+        <p:txBody>
+          <a:bodyPr/>
+          <a:lstStyle/>
+          <a:p>
+            <a:r>
+              <a:rPr lang="en-US" dirty="0"/>
+              <a:t> interesting mirror like trend between fully paid accounts and defaulters. at low interest rates people are able to easily repay loans </a:t>
+            </a:r>
+          </a:p>
+          <a:p>
+            <a:r>
+              <a:rPr lang="en-US" dirty="0"/>
+              <a:t> </a:t>
+            </a:r>
+            <a:r>
+              <a:rPr lang="en-US" dirty="0" err="1"/>
+              <a:t>anomoly</a:t>
+            </a:r>
+            <a:r>
+              <a:rPr lang="en-US" dirty="0"/>
+              <a:t> observed above 22.5 could be due to outliers in the dataset as found earlier</a:t>
+            </a:r>
+          </a:p>
+        </p:txBody>
+      </p:sp>
+    </p:spTree>
+    <p:extLst>
+      <p:ext uri="{BB962C8B-B14F-4D97-AF65-F5344CB8AC3E}">
+        <p14:creationId xmlns:p14="http://schemas.microsoft.com/office/powerpoint/2010/main" val="2074412731"/>
+      </p:ext>
+    </p:extLst>
+  </p:cSld>
+  <p:clrMapOvr>
+    <a:masterClrMapping/>
+  </p:clrMapOvr>
+</p:sld>
+</file>
+
+<file path=ppt/slides/slide13.xml><?xml version="1.0" encoding="utf-8"?>
+<p:sld xmlns:a="http://schemas.openxmlformats.org/drawingml/2006/main" xmlns:r="http://schemas.openxmlformats.org/officeDocument/2006/relationships" xmlns:p="http://schemas.openxmlformats.org/presentationml/2006/main">
+  <p:cSld>
+    <p:spTree>
+      <p:nvGrpSpPr>
+        <p:cNvPr id="1" name=""/>
+        <p:cNvGrpSpPr/>
+        <p:nvPr/>
+      </p:nvGrpSpPr>
+      <p:grpSpPr>
+        <a:xfrm>
+          <a:off x="0" y="0"/>
+          <a:ext cx="0" cy="0"/>
+          <a:chOff x="0" y="0"/>
+          <a:chExt cx="0" cy="0"/>
+        </a:xfrm>
+      </p:grpSpPr>
+      <p:sp>
+        <p:nvSpPr>
+          <p:cNvPr id="2" name="Title 1">
+            <a:extLst>
+              <a:ext uri="{FF2B5EF4-FFF2-40B4-BE49-F238E27FC236}">
+                <a16:creationId xmlns:a16="http://schemas.microsoft.com/office/drawing/2014/main" id="{6DB99FC9-B01C-499E-A0E5-778B899EA9D0}"/>
+              </a:ext>
+            </a:extLst>
+          </p:cNvPr>
+          <p:cNvSpPr>
+            <a:spLocks noGrp="1"/>
+          </p:cNvSpPr>
+          <p:nvPr>
+            <p:ph type="title"/>
+          </p:nvPr>
+        </p:nvSpPr>
+        <p:spPr/>
+        <p:txBody>
+          <a:bodyPr>
+            <a:normAutofit/>
+          </a:bodyPr>
+          <a:lstStyle/>
+          <a:p>
+            <a:r>
+              <a:rPr lang="en-US" sz="2000" dirty="0"/>
+              <a:t>Interesting to see that people who usually describe in detail why they need the loan have high probability of repayment</a:t>
+            </a:r>
+          </a:p>
+        </p:txBody>
+      </p:sp>
+      <p:sp>
+        <p:nvSpPr>
+          <p:cNvPr id="3" name="Content Placeholder 2">
+            <a:extLst>
+              <a:ext uri="{FF2B5EF4-FFF2-40B4-BE49-F238E27FC236}">
+                <a16:creationId xmlns:a16="http://schemas.microsoft.com/office/drawing/2014/main" id="{40956568-1C20-43F4-9E0C-C997827FF31F}"/>
+              </a:ext>
+            </a:extLst>
+          </p:cNvPr>
+          <p:cNvSpPr>
+            <a:spLocks noGrp="1"/>
+          </p:cNvSpPr>
+          <p:nvPr>
+            <p:ph idx="1"/>
+          </p:nvPr>
+        </p:nvSpPr>
+        <p:spPr/>
+        <p:txBody>
+          <a:bodyPr/>
+          <a:lstStyle/>
+          <a:p>
+            <a:endParaRPr lang="en-US" dirty="0"/>
+          </a:p>
+        </p:txBody>
+      </p:sp>
+      <p:pic>
+        <p:nvPicPr>
+          <p:cNvPr id="5" name="Picture 4">
+            <a:extLst>
+              <a:ext uri="{FF2B5EF4-FFF2-40B4-BE49-F238E27FC236}">
+                <a16:creationId xmlns:a16="http://schemas.microsoft.com/office/drawing/2014/main" id="{AB801C10-CE6C-4E34-B103-0843906F2334}"/>
+              </a:ext>
+            </a:extLst>
+          </p:cNvPr>
+          <p:cNvPicPr>
+            <a:picLocks noChangeAspect="1"/>
+          </p:cNvPicPr>
+          <p:nvPr/>
+        </p:nvPicPr>
+        <p:blipFill>
+          <a:blip r:embed="rId2"/>
+          <a:stretch>
+            <a:fillRect/>
+          </a:stretch>
+        </p:blipFill>
+        <p:spPr>
+          <a:xfrm>
+            <a:off x="4548491" y="1649756"/>
+            <a:ext cx="5376560" cy="4902437"/>
+          </a:xfrm>
+          <a:prstGeom prst="rect">
+            <a:avLst/>
+          </a:prstGeom>
+        </p:spPr>
+      </p:pic>
+    </p:spTree>
+    <p:extLst>
+      <p:ext uri="{BB962C8B-B14F-4D97-AF65-F5344CB8AC3E}">
+        <p14:creationId xmlns:p14="http://schemas.microsoft.com/office/powerpoint/2010/main" val="2243232715"/>
+      </p:ext>
+    </p:extLst>
+  </p:cSld>
+  <p:clrMapOvr>
+    <a:masterClrMapping/>
+  </p:clrMapOvr>
+</p:sld>
+</file>
+
 <file path=ppt/slides/slide2.xml><?xml version="1.0" encoding="utf-8"?>
 <p:sld xmlns:a="http://schemas.openxmlformats.org/drawingml/2006/main" xmlns:r="http://schemas.openxmlformats.org/officeDocument/2006/relationships" xmlns:p="http://schemas.openxmlformats.org/presentationml/2006/main">
   <p:cSld>
@@ -6347,16 +6800,18 @@
           </a:p>
           <a:p>
             <a:r>
-              <a:rPr lang="en-US"/>
-              <a:t>Funds are </a:t>
-            </a:r>
-            <a:r>
               <a:rPr lang="en-US" dirty="0"/>
-              <a:t>generally given around 500 range starting from 0 to 3500</a:t>
+              <a:t>Funds are generally given around 500 range starting from 0 to 3500</a:t>
             </a:r>
           </a:p>
           <a:p>
             <a:endParaRPr lang="en-US" dirty="0"/>
+          </a:p>
+          <a:p>
+            <a:r>
+              <a:rPr lang="en-US" dirty="0"/>
+              <a:t>82 percent of users are good users who repay on time , only 14 percent are defaulters</a:t>
+            </a:r>
           </a:p>
         </p:txBody>
       </p:sp>
@@ -6364,6 +6819,507 @@
     <p:extLst>
       <p:ext uri="{BB962C8B-B14F-4D97-AF65-F5344CB8AC3E}">
         <p14:creationId xmlns:p14="http://schemas.microsoft.com/office/powerpoint/2010/main" val="832675759"/>
+      </p:ext>
+    </p:extLst>
+  </p:cSld>
+  <p:clrMapOvr>
+    <a:masterClrMapping/>
+  </p:clrMapOvr>
+</p:sld>
+</file>
+
+<file path=ppt/slides/slide6.xml><?xml version="1.0" encoding="utf-8"?>
+<p:sld xmlns:a="http://schemas.openxmlformats.org/drawingml/2006/main" xmlns:r="http://schemas.openxmlformats.org/officeDocument/2006/relationships" xmlns:p="http://schemas.openxmlformats.org/presentationml/2006/main">
+  <p:cSld>
+    <p:spTree>
+      <p:nvGrpSpPr>
+        <p:cNvPr id="1" name=""/>
+        <p:cNvGrpSpPr/>
+        <p:nvPr/>
+      </p:nvGrpSpPr>
+      <p:grpSpPr>
+        <a:xfrm>
+          <a:off x="0" y="0"/>
+          <a:ext cx="0" cy="0"/>
+          <a:chOff x="0" y="0"/>
+          <a:chExt cx="0" cy="0"/>
+        </a:xfrm>
+      </p:grpSpPr>
+      <p:sp>
+        <p:nvSpPr>
+          <p:cNvPr id="2" name="Title 1">
+            <a:extLst>
+              <a:ext uri="{FF2B5EF4-FFF2-40B4-BE49-F238E27FC236}">
+                <a16:creationId xmlns:a16="http://schemas.microsoft.com/office/drawing/2014/main" id="{C33EC52F-076A-438B-AC17-1A6620AEB8DE}"/>
+              </a:ext>
+            </a:extLst>
+          </p:cNvPr>
+          <p:cNvSpPr>
+            <a:spLocks noGrp="1"/>
+          </p:cNvSpPr>
+          <p:nvPr>
+            <p:ph type="title"/>
+          </p:nvPr>
+        </p:nvSpPr>
+        <p:spPr/>
+        <p:txBody>
+          <a:bodyPr/>
+          <a:lstStyle/>
+          <a:p>
+            <a:r>
+              <a:rPr lang="en-US" dirty="0"/>
+              <a:t>Understanding trend in different terms</a:t>
+            </a:r>
+            <a:br>
+              <a:rPr lang="en-US" dirty="0"/>
+            </a:br>
+            <a:r>
+              <a:rPr lang="en-US" dirty="0"/>
+              <a:t>36 months vs 60 months</a:t>
+            </a:r>
+          </a:p>
+        </p:txBody>
+      </p:sp>
+      <p:pic>
+        <p:nvPicPr>
+          <p:cNvPr id="5" name="Content Placeholder 4">
+            <a:extLst>
+              <a:ext uri="{FF2B5EF4-FFF2-40B4-BE49-F238E27FC236}">
+                <a16:creationId xmlns:a16="http://schemas.microsoft.com/office/drawing/2014/main" id="{08F086E0-E249-4C1C-A546-C395FB141AFC}"/>
+              </a:ext>
+            </a:extLst>
+          </p:cNvPr>
+          <p:cNvPicPr>
+            <a:picLocks noGrp="1" noChangeAspect="1"/>
+          </p:cNvPicPr>
+          <p:nvPr>
+            <p:ph idx="1"/>
+          </p:nvPr>
+        </p:nvPicPr>
+        <p:blipFill>
+          <a:blip r:embed="rId2"/>
+          <a:stretch>
+            <a:fillRect/>
+          </a:stretch>
+        </p:blipFill>
+        <p:spPr>
+          <a:xfrm>
+            <a:off x="2917998" y="1930400"/>
+            <a:ext cx="4687989" cy="4154126"/>
+          </a:xfrm>
+        </p:spPr>
+      </p:pic>
+    </p:spTree>
+    <p:extLst>
+      <p:ext uri="{BB962C8B-B14F-4D97-AF65-F5344CB8AC3E}">
+        <p14:creationId xmlns:p14="http://schemas.microsoft.com/office/powerpoint/2010/main" val="3022602146"/>
+      </p:ext>
+    </p:extLst>
+  </p:cSld>
+  <p:clrMapOvr>
+    <a:masterClrMapping/>
+  </p:clrMapOvr>
+</p:sld>
+</file>
+
+<file path=ppt/slides/slide7.xml><?xml version="1.0" encoding="utf-8"?>
+<p:sld xmlns:a="http://schemas.openxmlformats.org/drawingml/2006/main" xmlns:r="http://schemas.openxmlformats.org/officeDocument/2006/relationships" xmlns:p="http://schemas.openxmlformats.org/presentationml/2006/main">
+  <p:cSld>
+    <p:spTree>
+      <p:nvGrpSpPr>
+        <p:cNvPr id="1" name=""/>
+        <p:cNvGrpSpPr/>
+        <p:nvPr/>
+      </p:nvGrpSpPr>
+      <p:grpSpPr>
+        <a:xfrm>
+          <a:off x="0" y="0"/>
+          <a:ext cx="0" cy="0"/>
+          <a:chOff x="0" y="0"/>
+          <a:chExt cx="0" cy="0"/>
+        </a:xfrm>
+      </p:grpSpPr>
+      <p:sp>
+        <p:nvSpPr>
+          <p:cNvPr id="2" name="Title 1">
+            <a:extLst>
+              <a:ext uri="{FF2B5EF4-FFF2-40B4-BE49-F238E27FC236}">
+                <a16:creationId xmlns:a16="http://schemas.microsoft.com/office/drawing/2014/main" id="{7FBA58DC-84EA-4425-9248-39854E33DED5}"/>
+              </a:ext>
+            </a:extLst>
+          </p:cNvPr>
+          <p:cNvSpPr>
+            <a:spLocks noGrp="1"/>
+          </p:cNvSpPr>
+          <p:nvPr>
+            <p:ph type="title"/>
+          </p:nvPr>
+        </p:nvSpPr>
+        <p:spPr/>
+        <p:txBody>
+          <a:bodyPr/>
+          <a:lstStyle/>
+          <a:p>
+            <a:endParaRPr lang="en-US" dirty="0"/>
+          </a:p>
+        </p:txBody>
+      </p:sp>
+      <p:pic>
+        <p:nvPicPr>
+          <p:cNvPr id="5" name="Content Placeholder 4">
+            <a:extLst>
+              <a:ext uri="{FF2B5EF4-FFF2-40B4-BE49-F238E27FC236}">
+                <a16:creationId xmlns:a16="http://schemas.microsoft.com/office/drawing/2014/main" id="{96BA893D-4291-414D-A7F1-13CE7EEEFD78}"/>
+              </a:ext>
+            </a:extLst>
+          </p:cNvPr>
+          <p:cNvPicPr>
+            <a:picLocks noGrp="1" noChangeAspect="1"/>
+          </p:cNvPicPr>
+          <p:nvPr>
+            <p:ph idx="1"/>
+          </p:nvPr>
+        </p:nvPicPr>
+        <p:blipFill>
+          <a:blip r:embed="rId2"/>
+          <a:stretch>
+            <a:fillRect/>
+          </a:stretch>
+        </p:blipFill>
+        <p:spPr>
+          <a:xfrm>
+            <a:off x="389101" y="310189"/>
+            <a:ext cx="7226418" cy="5793870"/>
+          </a:xfrm>
+        </p:spPr>
+      </p:pic>
+    </p:spTree>
+    <p:extLst>
+      <p:ext uri="{BB962C8B-B14F-4D97-AF65-F5344CB8AC3E}">
+        <p14:creationId xmlns:p14="http://schemas.microsoft.com/office/powerpoint/2010/main" val="3714836115"/>
+      </p:ext>
+    </p:extLst>
+  </p:cSld>
+  <p:clrMapOvr>
+    <a:masterClrMapping/>
+  </p:clrMapOvr>
+</p:sld>
+</file>
+
+<file path=ppt/slides/slide8.xml><?xml version="1.0" encoding="utf-8"?>
+<p:sld xmlns:a="http://schemas.openxmlformats.org/drawingml/2006/main" xmlns:r="http://schemas.openxmlformats.org/officeDocument/2006/relationships" xmlns:p="http://schemas.openxmlformats.org/presentationml/2006/main">
+  <p:cSld>
+    <p:spTree>
+      <p:nvGrpSpPr>
+        <p:cNvPr id="1" name=""/>
+        <p:cNvGrpSpPr/>
+        <p:nvPr/>
+      </p:nvGrpSpPr>
+      <p:grpSpPr>
+        <a:xfrm>
+          <a:off x="0" y="0"/>
+          <a:ext cx="0" cy="0"/>
+          <a:chOff x="0" y="0"/>
+          <a:chExt cx="0" cy="0"/>
+        </a:xfrm>
+      </p:grpSpPr>
+      <p:sp>
+        <p:nvSpPr>
+          <p:cNvPr id="2" name="Title 1">
+            <a:extLst>
+              <a:ext uri="{FF2B5EF4-FFF2-40B4-BE49-F238E27FC236}">
+                <a16:creationId xmlns:a16="http://schemas.microsoft.com/office/drawing/2014/main" id="{83DBBF65-3435-4205-A9E0-FA934D3E6440}"/>
+              </a:ext>
+            </a:extLst>
+          </p:cNvPr>
+          <p:cNvSpPr>
+            <a:spLocks noGrp="1"/>
+          </p:cNvSpPr>
+          <p:nvPr>
+            <p:ph type="title"/>
+          </p:nvPr>
+        </p:nvSpPr>
+        <p:spPr>
+          <a:xfrm>
+            <a:off x="542863" y="2447365"/>
+            <a:ext cx="8596668" cy="1320800"/>
+          </a:xfrm>
+        </p:spPr>
+        <p:txBody>
+          <a:bodyPr/>
+          <a:lstStyle/>
+          <a:p>
+            <a:r>
+              <a:rPr lang="en-US" dirty="0"/>
+              <a:t>Interest rate</a:t>
+            </a:r>
+          </a:p>
+        </p:txBody>
+      </p:sp>
+      <p:sp>
+        <p:nvSpPr>
+          <p:cNvPr id="3" name="Content Placeholder 2">
+            <a:extLst>
+              <a:ext uri="{FF2B5EF4-FFF2-40B4-BE49-F238E27FC236}">
+                <a16:creationId xmlns:a16="http://schemas.microsoft.com/office/drawing/2014/main" id="{A2DBBE3A-78B2-44FA-BB68-900C6E53D2D8}"/>
+              </a:ext>
+            </a:extLst>
+          </p:cNvPr>
+          <p:cNvSpPr>
+            <a:spLocks noGrp="1"/>
+          </p:cNvSpPr>
+          <p:nvPr>
+            <p:ph idx="1"/>
+          </p:nvPr>
+        </p:nvSpPr>
+        <p:spPr>
+          <a:xfrm>
+            <a:off x="677334" y="788895"/>
+            <a:ext cx="8596668" cy="5252468"/>
+          </a:xfrm>
+        </p:spPr>
+        <p:txBody>
+          <a:bodyPr>
+            <a:normAutofit lnSpcReduction="10000"/>
+          </a:bodyPr>
+          <a:lstStyle/>
+          <a:p>
+            <a:pPr marL="0" indent="0">
+              <a:buNone/>
+            </a:pPr>
+            <a:r>
+              <a:rPr lang="en-US" dirty="0"/>
+              <a:t>Defaulters are more in 60 months as opposed to 36 months</a:t>
+            </a:r>
+          </a:p>
+          <a:p>
+            <a:pPr marL="0" indent="0">
+              <a:buNone/>
+            </a:pPr>
+            <a:endParaRPr lang="en-US" dirty="0"/>
+          </a:p>
+          <a:p>
+            <a:pPr marL="0" indent="0">
+              <a:buNone/>
+            </a:pPr>
+            <a:r>
+              <a:rPr lang="en-US" dirty="0"/>
+              <a:t>Maybe people get bored and lazy paying loans in the long term !</a:t>
+            </a:r>
+          </a:p>
+          <a:p>
+            <a:pPr marL="0" indent="0">
+              <a:buNone/>
+            </a:pPr>
+            <a:endParaRPr lang="en-US" dirty="0"/>
+          </a:p>
+          <a:p>
+            <a:pPr marL="0" indent="0">
+              <a:buNone/>
+            </a:pPr>
+            <a:endParaRPr lang="en-US" dirty="0"/>
+          </a:p>
+          <a:p>
+            <a:pPr marL="0" indent="0">
+              <a:buNone/>
+            </a:pPr>
+            <a:endParaRPr lang="en-US" dirty="0"/>
+          </a:p>
+          <a:p>
+            <a:pPr marL="0" indent="0">
+              <a:buNone/>
+            </a:pPr>
+            <a:endParaRPr lang="en-US" dirty="0"/>
+          </a:p>
+          <a:p>
+            <a:pPr marL="0" indent="0">
+              <a:buNone/>
+            </a:pPr>
+            <a:endParaRPr lang="en-US" dirty="0"/>
+          </a:p>
+          <a:p>
+            <a:pPr marL="0" indent="0">
+              <a:buNone/>
+            </a:pPr>
+            <a:endParaRPr lang="en-US" dirty="0"/>
+          </a:p>
+          <a:p>
+            <a:pPr marL="0" indent="0">
+              <a:buNone/>
+            </a:pPr>
+            <a:endParaRPr lang="en-US" dirty="0"/>
+          </a:p>
+          <a:p>
+            <a:pPr marL="0" indent="0">
+              <a:buNone/>
+            </a:pPr>
+            <a:endParaRPr lang="en-US" dirty="0"/>
+          </a:p>
+          <a:p>
+            <a:pPr marL="0" indent="0">
+              <a:buNone/>
+            </a:pPr>
+            <a:endParaRPr lang="en-US" dirty="0"/>
+          </a:p>
+          <a:p>
+            <a:pPr marL="0" indent="0">
+              <a:buNone/>
+            </a:pPr>
+            <a:r>
+              <a:rPr lang="en-US" dirty="0"/>
+              <a:t>interest rate range between 5 and 24 also we have outliers above 22.5 , we need to get rid of those if we plan to use any classification algorithm)</a:t>
+            </a:r>
+          </a:p>
+        </p:txBody>
+      </p:sp>
+      <p:pic>
+        <p:nvPicPr>
+          <p:cNvPr id="5" name="Picture 4">
+            <a:extLst>
+              <a:ext uri="{FF2B5EF4-FFF2-40B4-BE49-F238E27FC236}">
+                <a16:creationId xmlns:a16="http://schemas.microsoft.com/office/drawing/2014/main" id="{8DF1E232-8D5F-4433-9316-BBFED30F05C8}"/>
+              </a:ext>
+            </a:extLst>
+          </p:cNvPr>
+          <p:cNvPicPr>
+            <a:picLocks noChangeAspect="1"/>
+          </p:cNvPicPr>
+          <p:nvPr/>
+        </p:nvPicPr>
+        <p:blipFill>
+          <a:blip r:embed="rId2"/>
+          <a:stretch>
+            <a:fillRect/>
+          </a:stretch>
+        </p:blipFill>
+        <p:spPr>
+          <a:xfrm>
+            <a:off x="4116434" y="2226485"/>
+            <a:ext cx="4770392" cy="2945385"/>
+          </a:xfrm>
+          <a:prstGeom prst="rect">
+            <a:avLst/>
+          </a:prstGeom>
+        </p:spPr>
+      </p:pic>
+    </p:spTree>
+    <p:extLst>
+      <p:ext uri="{BB962C8B-B14F-4D97-AF65-F5344CB8AC3E}">
+        <p14:creationId xmlns:p14="http://schemas.microsoft.com/office/powerpoint/2010/main" val="265837360"/>
+      </p:ext>
+    </p:extLst>
+  </p:cSld>
+  <p:clrMapOvr>
+    <a:masterClrMapping/>
+  </p:clrMapOvr>
+</p:sld>
+</file>
+
+<file path=ppt/slides/slide9.xml><?xml version="1.0" encoding="utf-8"?>
+<p:sld xmlns:a="http://schemas.openxmlformats.org/drawingml/2006/main" xmlns:r="http://schemas.openxmlformats.org/officeDocument/2006/relationships" xmlns:p="http://schemas.openxmlformats.org/presentationml/2006/main">
+  <p:cSld>
+    <p:spTree>
+      <p:nvGrpSpPr>
+        <p:cNvPr id="1" name=""/>
+        <p:cNvGrpSpPr/>
+        <p:nvPr/>
+      </p:nvGrpSpPr>
+      <p:grpSpPr>
+        <a:xfrm>
+          <a:off x="0" y="0"/>
+          <a:ext cx="0" cy="0"/>
+          <a:chOff x="0" y="0"/>
+          <a:chExt cx="0" cy="0"/>
+        </a:xfrm>
+      </p:grpSpPr>
+      <p:sp>
+        <p:nvSpPr>
+          <p:cNvPr id="2" name="Title 1">
+            <a:extLst>
+              <a:ext uri="{FF2B5EF4-FFF2-40B4-BE49-F238E27FC236}">
+                <a16:creationId xmlns:a16="http://schemas.microsoft.com/office/drawing/2014/main" id="{36970974-92BA-4461-BE50-62F75A2692FF}"/>
+              </a:ext>
+            </a:extLst>
+          </p:cNvPr>
+          <p:cNvSpPr>
+            <a:spLocks noGrp="1"/>
+          </p:cNvSpPr>
+          <p:nvPr>
+            <p:ph type="title"/>
+          </p:nvPr>
+        </p:nvSpPr>
+        <p:spPr/>
+        <p:txBody>
+          <a:bodyPr/>
+          <a:lstStyle/>
+          <a:p>
+            <a:endParaRPr lang="en-US" dirty="0"/>
+          </a:p>
+        </p:txBody>
+      </p:sp>
+      <p:pic>
+        <p:nvPicPr>
+          <p:cNvPr id="9" name="Content Placeholder 8">
+            <a:extLst>
+              <a:ext uri="{FF2B5EF4-FFF2-40B4-BE49-F238E27FC236}">
+                <a16:creationId xmlns:a16="http://schemas.microsoft.com/office/drawing/2014/main" id="{0D6BC694-3EFF-4486-BA4A-A6D94DCD4D94}"/>
+              </a:ext>
+            </a:extLst>
+          </p:cNvPr>
+          <p:cNvPicPr>
+            <a:picLocks noGrp="1" noChangeAspect="1"/>
+          </p:cNvPicPr>
+          <p:nvPr>
+            <p:ph idx="1"/>
+          </p:nvPr>
+        </p:nvPicPr>
+        <p:blipFill>
+          <a:blip r:embed="rId2"/>
+          <a:stretch>
+            <a:fillRect/>
+          </a:stretch>
+        </p:blipFill>
+        <p:spPr>
+          <a:xfrm>
+            <a:off x="5767921" y="761779"/>
+            <a:ext cx="4910032" cy="4481933"/>
+          </a:xfrm>
+        </p:spPr>
+      </p:pic>
+      <p:pic>
+        <p:nvPicPr>
+          <p:cNvPr id="7" name="Picture 6">
+            <a:extLst>
+              <a:ext uri="{FF2B5EF4-FFF2-40B4-BE49-F238E27FC236}">
+                <a16:creationId xmlns:a16="http://schemas.microsoft.com/office/drawing/2014/main" id="{3B1381BD-D5A0-4264-922B-3DE74DE00A29}"/>
+              </a:ext>
+            </a:extLst>
+          </p:cNvPr>
+          <p:cNvPicPr>
+            <a:picLocks noChangeAspect="1"/>
+          </p:cNvPicPr>
+          <p:nvPr/>
+        </p:nvPicPr>
+        <p:blipFill>
+          <a:blip r:embed="rId3"/>
+          <a:stretch>
+            <a:fillRect/>
+          </a:stretch>
+        </p:blipFill>
+        <p:spPr>
+          <a:xfrm>
+            <a:off x="359863" y="761780"/>
+            <a:ext cx="4850312" cy="4481934"/>
+          </a:xfrm>
+          <a:prstGeom prst="rect">
+            <a:avLst/>
+          </a:prstGeom>
+        </p:spPr>
+      </p:pic>
+    </p:spTree>
+    <p:extLst>
+      <p:ext uri="{BB962C8B-B14F-4D97-AF65-F5344CB8AC3E}">
+        <p14:creationId xmlns:p14="http://schemas.microsoft.com/office/powerpoint/2010/main" val="183069733"/>
       </p:ext>
     </p:extLst>
   </p:cSld>
